--- a/Sprint0.pptx
+++ b/Sprint0.pptx
@@ -5,11 +5,11 @@
     <p:sldMasterId id="2147483648" r:id="rId1"/>
   </p:sldMasterIdLst>
   <p:sldIdLst>
-    <p:sldId id="256" r:id="rId2"/>
+    <p:sldId id="261" r:id="rId2"/>
     <p:sldId id="257" r:id="rId3"/>
     <p:sldId id="258" r:id="rId4"/>
-    <p:sldId id="259" r:id="rId5"/>
-    <p:sldId id="260" r:id="rId6"/>
+    <p:sldId id="260" r:id="rId5"/>
+    <p:sldId id="259" r:id="rId6"/>
   </p:sldIdLst>
   <p:sldSz cx="12192000" cy="6858000"/>
   <p:notesSz cx="6858000" cy="9144000"/>
@@ -108,6 +108,11 @@
       </a:defRPr>
     </a:lvl9pPr>
   </p:defaultTextStyle>
+  <p:extLst>
+    <p:ext uri="{EFAFB233-063F-42B5-8137-9DF3F51BA10A}">
+      <p15:sldGuideLst xmlns:p15="http://schemas.microsoft.com/office/powerpoint/2012/main"/>
+    </p:ext>
+  </p:extLst>
 </p:presentation>
 </file>
 
@@ -3330,7 +3335,7 @@
           <p:cNvPr id="2" name="Titre 1">
             <a:extLst>
               <a:ext uri="{FF2B5EF4-FFF2-40B4-BE49-F238E27FC236}">
-                <a16:creationId xmlns:a16="http://schemas.microsoft.com/office/drawing/2014/main" id="{E121AC5F-E326-4D88-97A1-7D4D56A7F8FC}"/>
+                <a16:creationId xmlns:a16="http://schemas.microsoft.com/office/drawing/2014/main" id="{3D07A098-3382-40B8-885D-3C1BCB1E28DE}"/>
               </a:ext>
             </a:extLst>
           </p:cNvPr>
@@ -3347,9 +3352,10 @@
           <a:lstStyle/>
           <a:p>
             <a:r>
-              <a:rPr lang="fr-FR" dirty="0"/>
-              <a:t>Sprint 0</a:t>
-            </a:r>
+              <a:rPr lang="fr-FR" dirty="0" err="1"/>
+              <a:t>LyonEats</a:t>
+            </a:r>
+            <a:endParaRPr lang="fr-FR" dirty="0"/>
           </a:p>
         </p:txBody>
       </p:sp>
@@ -3358,7 +3364,7 @@
           <p:cNvPr id="3" name="Sous-titre 2">
             <a:extLst>
               <a:ext uri="{FF2B5EF4-FFF2-40B4-BE49-F238E27FC236}">
-                <a16:creationId xmlns:a16="http://schemas.microsoft.com/office/drawing/2014/main" id="{34E5847B-CCB4-4BFA-97A5-16F813EA5049}"/>
+                <a16:creationId xmlns:a16="http://schemas.microsoft.com/office/drawing/2014/main" id="{77DA3AA5-5BFA-40D7-90C2-4794B818FFA9}"/>
               </a:ext>
             </a:extLst>
           </p:cNvPr>
@@ -3374,14 +3380,14 @@
           <a:bodyPr/>
           <a:lstStyle/>
           <a:p>
-            <a:endParaRPr lang="fr-FR"/>
+            <a:endParaRPr lang="fr-FR" dirty="0"/>
           </a:p>
         </p:txBody>
       </p:sp>
     </p:spTree>
     <p:extLst>
       <p:ext uri="{BB962C8B-B14F-4D97-AF65-F5344CB8AC3E}">
-        <p14:creationId xmlns:p14="http://schemas.microsoft.com/office/powerpoint/2010/main" val="2751525605"/>
+        <p14:creationId xmlns:p14="http://schemas.microsoft.com/office/powerpoint/2010/main" val="658963570"/>
       </p:ext>
     </p:extLst>
   </p:cSld>
@@ -3595,7 +3601,15 @@
             </a:r>
             <a:r>
               <a:rPr lang="fr-FR" dirty="0"/>
-              <a:t> – Ali : Coder la partie statique du site</a:t>
+              <a:t> (Product </a:t>
+            </a:r>
+            <a:r>
+              <a:rPr lang="fr-FR"/>
+              <a:t>Owner) </a:t>
+            </a:r>
+            <a:r>
+              <a:rPr lang="fr-FR" dirty="0"/>
+              <a:t>– Ali : Coder la partie statique du site</a:t>
             </a:r>
           </a:p>
           <a:p>
@@ -3613,7 +3627,7 @@
             </a:r>
             <a:r>
               <a:rPr lang="fr-FR" dirty="0"/>
-              <a:t> – Ayoub : Mettre en place la base de données + les contrôleurs</a:t>
+              <a:t> – Ayoub (Scrum Master) : Mettre en place la base de données + les contrôleurs</a:t>
             </a:r>
           </a:p>
           <a:p>
@@ -3697,7 +3711,7 @@
           <p:cNvPr id="2" name="Titre 1">
             <a:extLst>
               <a:ext uri="{FF2B5EF4-FFF2-40B4-BE49-F238E27FC236}">
-                <a16:creationId xmlns:a16="http://schemas.microsoft.com/office/drawing/2014/main" id="{985881B6-721F-425E-BB19-4D9A0BD3EADC}"/>
+                <a16:creationId xmlns:a16="http://schemas.microsoft.com/office/drawing/2014/main" id="{6AC54DC0-9CB8-4C59-A06F-C804322053AC}"/>
               </a:ext>
             </a:extLst>
           </p:cNvPr>
@@ -3715,113 +3729,99 @@
           <a:p>
             <a:r>
               <a:rPr lang="fr-FR" dirty="0"/>
-              <a:t>Tableau Kanban</a:t>
-            </a:r>
-          </a:p>
-        </p:txBody>
-      </p:sp>
-      <p:sp>
-        <p:nvSpPr>
-          <p:cNvPr id="3" name="Espace réservé du contenu 2">
-            <a:extLst>
-              <a:ext uri="{FF2B5EF4-FFF2-40B4-BE49-F238E27FC236}">
-                <a16:creationId xmlns:a16="http://schemas.microsoft.com/office/drawing/2014/main" id="{FFCDB1F0-A764-4157-A053-3E43EB170D3B}"/>
-              </a:ext>
-            </a:extLst>
-          </p:cNvPr>
-          <p:cNvSpPr>
-            <a:spLocks noGrp="1"/>
-          </p:cNvSpPr>
-          <p:nvPr>
-            <p:ph idx="1"/>
-          </p:nvPr>
-        </p:nvSpPr>
+              <a:t>Première version</a:t>
+            </a:r>
+          </a:p>
+        </p:txBody>
+      </p:sp>
+      <p:pic>
+        <p:nvPicPr>
+          <p:cNvPr id="4" name="Image 3">
+            <a:extLst>
+              <a:ext uri="{FF2B5EF4-FFF2-40B4-BE49-F238E27FC236}">
+                <a16:creationId xmlns:a16="http://schemas.microsoft.com/office/drawing/2014/main" id="{0B0AF634-6482-4C96-A994-66025D504B08}"/>
+              </a:ext>
+            </a:extLst>
+          </p:cNvPr>
+          <p:cNvPicPr/>
+          <p:nvPr/>
+        </p:nvPicPr>
+        <p:blipFill>
+          <a:blip r:embed="rId2"/>
+          <a:stretch>
+            <a:fillRect/>
+          </a:stretch>
+        </p:blipFill>
         <p:spPr>
           <a:xfrm>
-            <a:off x="838200" y="1459684"/>
-            <a:ext cx="10515600" cy="5125673"/>
+            <a:off x="489216" y="1348342"/>
+            <a:ext cx="5240465" cy="2971987"/>
           </a:xfrm>
+          <a:prstGeom prst="rect">
+            <a:avLst/>
+          </a:prstGeom>
         </p:spPr>
-        <p:txBody>
-          <a:bodyPr>
-            <a:normAutofit/>
-          </a:bodyPr>
-          <a:lstStyle/>
-          <a:p>
-            <a:r>
-              <a:rPr lang="fr-FR" dirty="0"/>
-              <a:t>Bac a sable : </a:t>
-            </a:r>
-          </a:p>
-          <a:p>
-            <a:pPr lvl="1"/>
-            <a:r>
-              <a:rPr lang="fr-FR" dirty="0"/>
-              <a:t>Mise en place du service de réservation/commande</a:t>
-            </a:r>
-          </a:p>
-          <a:p>
-            <a:pPr lvl="1"/>
-            <a:r>
-              <a:rPr lang="fr-FR" dirty="0"/>
-              <a:t>Mise en place un système d’authentification pour écrire des commentaires</a:t>
-            </a:r>
-          </a:p>
-          <a:p>
-            <a:r>
-              <a:rPr lang="fr-FR" dirty="0"/>
-              <a:t>Affinage :</a:t>
-            </a:r>
-          </a:p>
-          <a:p>
-            <a:pPr lvl="1"/>
-            <a:r>
-              <a:rPr lang="fr-FR" dirty="0"/>
-              <a:t>Mise en place des filtres pour les restaurants </a:t>
-            </a:r>
-          </a:p>
-          <a:p>
-            <a:r>
-              <a:rPr lang="fr-FR" dirty="0"/>
-              <a:t>A faire : </a:t>
-            </a:r>
-          </a:p>
-          <a:p>
-            <a:pPr lvl="1"/>
-            <a:r>
-              <a:rPr lang="fr-FR" dirty="0"/>
-              <a:t>Création de la base de données</a:t>
-            </a:r>
-          </a:p>
-          <a:p>
-            <a:pPr lvl="1"/>
-            <a:r>
-              <a:rPr lang="fr-FR" dirty="0"/>
-              <a:t>Javascript</a:t>
-            </a:r>
-          </a:p>
-          <a:p>
-            <a:r>
-              <a:rPr lang="fr-FR" dirty="0"/>
-              <a:t>En cours : </a:t>
-            </a:r>
-          </a:p>
-          <a:p>
-            <a:pPr lvl="1"/>
-            <a:r>
-              <a:rPr lang="fr-FR" dirty="0"/>
-              <a:t>Pages du site</a:t>
-            </a:r>
-          </a:p>
-          <a:p>
-            <a:endParaRPr lang="fr-FR" dirty="0"/>
-          </a:p>
-        </p:txBody>
-      </p:sp>
+      </p:pic>
+      <p:pic>
+        <p:nvPicPr>
+          <p:cNvPr id="5" name="Image 4">
+            <a:extLst>
+              <a:ext uri="{FF2B5EF4-FFF2-40B4-BE49-F238E27FC236}">
+                <a16:creationId xmlns:a16="http://schemas.microsoft.com/office/drawing/2014/main" id="{E586AF4F-2100-43DC-B72C-3EE5A7240854}"/>
+              </a:ext>
+            </a:extLst>
+          </p:cNvPr>
+          <p:cNvPicPr/>
+          <p:nvPr/>
+        </p:nvPicPr>
+        <p:blipFill>
+          <a:blip r:embed="rId3"/>
+          <a:stretch>
+            <a:fillRect/>
+          </a:stretch>
+        </p:blipFill>
+        <p:spPr>
+          <a:xfrm>
+            <a:off x="6096000" y="1119188"/>
+            <a:ext cx="5760720" cy="1143000"/>
+          </a:xfrm>
+          <a:prstGeom prst="rect">
+            <a:avLst/>
+          </a:prstGeom>
+        </p:spPr>
+      </p:pic>
+      <p:pic>
+        <p:nvPicPr>
+          <p:cNvPr id="6" name="Image 5">
+            <a:extLst>
+              <a:ext uri="{FF2B5EF4-FFF2-40B4-BE49-F238E27FC236}">
+                <a16:creationId xmlns:a16="http://schemas.microsoft.com/office/drawing/2014/main" id="{E76B313F-EA58-43E5-818A-EAE2C8B35960}"/>
+              </a:ext>
+            </a:extLst>
+          </p:cNvPr>
+          <p:cNvPicPr/>
+          <p:nvPr/>
+        </p:nvPicPr>
+        <p:blipFill>
+          <a:blip r:embed="rId4"/>
+          <a:stretch>
+            <a:fillRect/>
+          </a:stretch>
+        </p:blipFill>
+        <p:spPr>
+          <a:xfrm>
+            <a:off x="5184397" y="4477623"/>
+            <a:ext cx="6459663" cy="1864453"/>
+          </a:xfrm>
+          <a:prstGeom prst="rect">
+            <a:avLst/>
+          </a:prstGeom>
+        </p:spPr>
+      </p:pic>
     </p:spTree>
     <p:extLst>
       <p:ext uri="{BB962C8B-B14F-4D97-AF65-F5344CB8AC3E}">
-        <p14:creationId xmlns:p14="http://schemas.microsoft.com/office/powerpoint/2010/main" val="1461855521"/>
+        <p14:creationId xmlns:p14="http://schemas.microsoft.com/office/powerpoint/2010/main" val="2165756091"/>
       </p:ext>
     </p:extLst>
   </p:cSld>
@@ -3853,7 +3853,7 @@
           <p:cNvPr id="2" name="Titre 1">
             <a:extLst>
               <a:ext uri="{FF2B5EF4-FFF2-40B4-BE49-F238E27FC236}">
-                <a16:creationId xmlns:a16="http://schemas.microsoft.com/office/drawing/2014/main" id="{6AC54DC0-9CB8-4C59-A06F-C804322053AC}"/>
+                <a16:creationId xmlns:a16="http://schemas.microsoft.com/office/drawing/2014/main" id="{985881B6-721F-425E-BB19-4D9A0BD3EADC}"/>
               </a:ext>
             </a:extLst>
           </p:cNvPr>
@@ -3871,99 +3871,113 @@
           <a:p>
             <a:r>
               <a:rPr lang="fr-FR" dirty="0"/>
-              <a:t>Première version</a:t>
-            </a:r>
-          </a:p>
-        </p:txBody>
-      </p:sp>
-      <p:pic>
-        <p:nvPicPr>
-          <p:cNvPr id="4" name="Image 3">
-            <a:extLst>
-              <a:ext uri="{FF2B5EF4-FFF2-40B4-BE49-F238E27FC236}">
-                <a16:creationId xmlns:a16="http://schemas.microsoft.com/office/drawing/2014/main" id="{0B0AF634-6482-4C96-A994-66025D504B08}"/>
-              </a:ext>
-            </a:extLst>
-          </p:cNvPr>
-          <p:cNvPicPr/>
-          <p:nvPr/>
-        </p:nvPicPr>
-        <p:blipFill>
-          <a:blip r:embed="rId2"/>
-          <a:stretch>
-            <a:fillRect/>
-          </a:stretch>
-        </p:blipFill>
+              <a:t>Tableau Kanban</a:t>
+            </a:r>
+          </a:p>
+        </p:txBody>
+      </p:sp>
+      <p:sp>
+        <p:nvSpPr>
+          <p:cNvPr id="3" name="Espace réservé du contenu 2">
+            <a:extLst>
+              <a:ext uri="{FF2B5EF4-FFF2-40B4-BE49-F238E27FC236}">
+                <a16:creationId xmlns:a16="http://schemas.microsoft.com/office/drawing/2014/main" id="{FFCDB1F0-A764-4157-A053-3E43EB170D3B}"/>
+              </a:ext>
+            </a:extLst>
+          </p:cNvPr>
+          <p:cNvSpPr>
+            <a:spLocks noGrp="1"/>
+          </p:cNvSpPr>
+          <p:nvPr>
+            <p:ph idx="1"/>
+          </p:nvPr>
+        </p:nvSpPr>
         <p:spPr>
           <a:xfrm>
-            <a:off x="489216" y="1348342"/>
-            <a:ext cx="5240465" cy="2971987"/>
+            <a:off x="838200" y="1459684"/>
+            <a:ext cx="10515600" cy="5125673"/>
           </a:xfrm>
-          <a:prstGeom prst="rect">
-            <a:avLst/>
-          </a:prstGeom>
         </p:spPr>
-      </p:pic>
-      <p:pic>
-        <p:nvPicPr>
-          <p:cNvPr id="5" name="Image 4">
-            <a:extLst>
-              <a:ext uri="{FF2B5EF4-FFF2-40B4-BE49-F238E27FC236}">
-                <a16:creationId xmlns:a16="http://schemas.microsoft.com/office/drawing/2014/main" id="{E586AF4F-2100-43DC-B72C-3EE5A7240854}"/>
-              </a:ext>
-            </a:extLst>
-          </p:cNvPr>
-          <p:cNvPicPr/>
-          <p:nvPr/>
-        </p:nvPicPr>
-        <p:blipFill>
-          <a:blip r:embed="rId3"/>
-          <a:stretch>
-            <a:fillRect/>
-          </a:stretch>
-        </p:blipFill>
-        <p:spPr>
-          <a:xfrm>
-            <a:off x="6096000" y="1119188"/>
-            <a:ext cx="5760720" cy="1143000"/>
-          </a:xfrm>
-          <a:prstGeom prst="rect">
-            <a:avLst/>
-          </a:prstGeom>
-        </p:spPr>
-      </p:pic>
-      <p:pic>
-        <p:nvPicPr>
-          <p:cNvPr id="6" name="Image 5">
-            <a:extLst>
-              <a:ext uri="{FF2B5EF4-FFF2-40B4-BE49-F238E27FC236}">
-                <a16:creationId xmlns:a16="http://schemas.microsoft.com/office/drawing/2014/main" id="{E76B313F-EA58-43E5-818A-EAE2C8B35960}"/>
-              </a:ext>
-            </a:extLst>
-          </p:cNvPr>
-          <p:cNvPicPr/>
-          <p:nvPr/>
-        </p:nvPicPr>
-        <p:blipFill>
-          <a:blip r:embed="rId4"/>
-          <a:stretch>
-            <a:fillRect/>
-          </a:stretch>
-        </p:blipFill>
-        <p:spPr>
-          <a:xfrm>
-            <a:off x="5184397" y="4477623"/>
-            <a:ext cx="6459663" cy="1864453"/>
-          </a:xfrm>
-          <a:prstGeom prst="rect">
-            <a:avLst/>
-          </a:prstGeom>
-        </p:spPr>
-      </p:pic>
+        <p:txBody>
+          <a:bodyPr>
+            <a:normAutofit/>
+          </a:bodyPr>
+          <a:lstStyle/>
+          <a:p>
+            <a:r>
+              <a:rPr lang="fr-FR" dirty="0"/>
+              <a:t>Bac a sable : </a:t>
+            </a:r>
+          </a:p>
+          <a:p>
+            <a:pPr lvl="1"/>
+            <a:r>
+              <a:rPr lang="fr-FR" dirty="0"/>
+              <a:t>Mise en place du service de réservation/commande</a:t>
+            </a:r>
+          </a:p>
+          <a:p>
+            <a:pPr lvl="1"/>
+            <a:r>
+              <a:rPr lang="fr-FR" dirty="0"/>
+              <a:t>Mise en place un système d’authentification pour écrire des commentaires</a:t>
+            </a:r>
+          </a:p>
+          <a:p>
+            <a:r>
+              <a:rPr lang="fr-FR" dirty="0"/>
+              <a:t>Affinage :</a:t>
+            </a:r>
+          </a:p>
+          <a:p>
+            <a:pPr lvl="1"/>
+            <a:r>
+              <a:rPr lang="fr-FR" dirty="0"/>
+              <a:t>Mise en place des filtres pour les restaurants </a:t>
+            </a:r>
+          </a:p>
+          <a:p>
+            <a:r>
+              <a:rPr lang="fr-FR" dirty="0"/>
+              <a:t>A faire : </a:t>
+            </a:r>
+          </a:p>
+          <a:p>
+            <a:pPr lvl="1"/>
+            <a:r>
+              <a:rPr lang="fr-FR" dirty="0"/>
+              <a:t>Création de la base de données</a:t>
+            </a:r>
+          </a:p>
+          <a:p>
+            <a:pPr lvl="1"/>
+            <a:r>
+              <a:rPr lang="fr-FR" dirty="0"/>
+              <a:t>Javascript</a:t>
+            </a:r>
+          </a:p>
+          <a:p>
+            <a:r>
+              <a:rPr lang="fr-FR" dirty="0"/>
+              <a:t>En cours : </a:t>
+            </a:r>
+          </a:p>
+          <a:p>
+            <a:pPr lvl="1"/>
+            <a:r>
+              <a:rPr lang="fr-FR" dirty="0"/>
+              <a:t>Pages du site</a:t>
+            </a:r>
+          </a:p>
+          <a:p>
+            <a:endParaRPr lang="fr-FR" dirty="0"/>
+          </a:p>
+        </p:txBody>
+      </p:sp>
     </p:spTree>
     <p:extLst>
       <p:ext uri="{BB962C8B-B14F-4D97-AF65-F5344CB8AC3E}">
-        <p14:creationId xmlns:p14="http://schemas.microsoft.com/office/powerpoint/2010/main" val="2165756091"/>
+        <p14:creationId xmlns:p14="http://schemas.microsoft.com/office/powerpoint/2010/main" val="1461855521"/>
       </p:ext>
     </p:extLst>
   </p:cSld>

--- a/Sprint0.pptx
+++ b/Sprint0.pptx
@@ -3380,7 +3380,26 @@
           <a:bodyPr/>
           <a:lstStyle/>
           <a:p>
-            <a:endParaRPr lang="fr-FR" dirty="0"/>
+            <a:r>
+              <a:rPr lang="fr-FR" dirty="0"/>
+              <a:t>Projet réalisé par MESSAOUDI Amin, EL BOUAZZAOUI Ali, BEN AMMAR </a:t>
+            </a:r>
+            <a:r>
+              <a:rPr lang="fr-FR" dirty="0" err="1"/>
+              <a:t>Rayen</a:t>
+            </a:r>
+            <a:r>
+              <a:rPr lang="fr-FR" dirty="0"/>
+              <a:t>, BENNANI </a:t>
+            </a:r>
+            <a:r>
+              <a:rPr lang="fr-FR" dirty="0" err="1"/>
+              <a:t>Ilyass</a:t>
+            </a:r>
+            <a:r>
+              <a:rPr lang="fr-FR" dirty="0"/>
+              <a:t>, NADIR Ayoub</a:t>
+            </a:r>
           </a:p>
         </p:txBody>
       </p:sp>
@@ -3503,6 +3522,14 @@
               <a:rPr lang="fr-FR" dirty="0"/>
               <a:t>Réserver/Commander</a:t>
             </a:r>
+          </a:p>
+          <a:p>
+            <a:pPr lvl="1"/>
+            <a:r>
+              <a:rPr lang="fr-FR"/>
+              <a:t>Commenter</a:t>
+            </a:r>
+            <a:endParaRPr lang="fr-FR" dirty="0"/>
           </a:p>
           <a:p>
             <a:endParaRPr lang="fr-FR" dirty="0"/>
